--- a/Intro.pptx
+++ b/Intro.pptx
@@ -6220,10 +6220,55 @@
               <a:t>Aktuelle</a:t>
             </a:r>
             <a:r>
+              <a:rPr lang="en-US" dirty="0" smtClean="0"/>
+              <a:t> Version 3.2</a:t>
+            </a:r>
+          </a:p>
+          <a:p>
+            <a:r>
+              <a:rPr lang="en-US" dirty="0" err="1" smtClean="0"/>
+              <a:t>Bringt</a:t>
+            </a:r>
+            <a:r>
+              <a:rPr lang="en-US" dirty="0" smtClean="0"/>
+              <a:t> </a:t>
+            </a:r>
+            <a:r>
+              <a:rPr lang="en-US" dirty="0" err="1" smtClean="0"/>
+              <a:t>statische</a:t>
+            </a:r>
+            <a:r>
+              <a:rPr lang="en-US" dirty="0" smtClean="0"/>
+              <a:t> Type </a:t>
+            </a:r>
+            <a:r>
+              <a:rPr lang="en-US" dirty="0" err="1" smtClean="0"/>
+              <a:t>Pruefung</a:t>
+            </a:r>
+            <a:endParaRPr lang="en-US" dirty="0" smtClean="0"/>
+          </a:p>
+          <a:p>
+            <a:r>
+              <a:rPr lang="en-US" dirty="0" err="1" smtClean="0"/>
+              <a:t>Lohnt</a:t>
+            </a:r>
+            <a:r>
+              <a:rPr lang="en-US" dirty="0" smtClean="0"/>
+              <a:t> </a:t>
+            </a:r>
+            <a:r>
+              <a:rPr lang="en-US" dirty="0" err="1" smtClean="0"/>
+              <a:t>sich</a:t>
+            </a:r>
+            <a:r>
+              <a:rPr lang="en-US" dirty="0" smtClean="0"/>
+              <a:t> </a:t>
+            </a:r>
+            <a:r>
               <a:rPr lang="en-US" smtClean="0"/>
-              <a:t> Version 3.2</a:t>
-            </a:r>
-            <a:endParaRPr lang="de-DE" dirty="0"/>
+              <a:t>der Overhead?</a:t>
+            </a:r>
+            <a:endParaRPr lang="en-US" dirty="0" smtClean="0"/>
           </a:p>
         </p:txBody>
       </p:sp>
